--- a/self_project/스마트 냉장고_장재웅.pptx
+++ b/self_project/스마트 냉장고_장재웅.pptx
@@ -274,7 +274,7 @@
           <a:p>
             <a:fld id="{8F67A746-2308-4D9D-AAD0-07174381C9E7}" type="datetimeFigureOut">
               <a:rPr lang="ko-KR" altLang="en-US" smtClean="0"/>
-              <a:t>2024-10-06</a:t>
+              <a:t>2024-10-29</a:t>
             </a:fld>
             <a:endParaRPr lang="ko-KR" altLang="en-US"/>
           </a:p>
@@ -562,7 +562,7 @@
           <a:p>
             <a:fld id="{8F67A746-2308-4D9D-AAD0-07174381C9E7}" type="datetimeFigureOut">
               <a:rPr lang="ko-KR" altLang="en-US" smtClean="0"/>
-              <a:t>2024-10-06</a:t>
+              <a:t>2024-10-29</a:t>
             </a:fld>
             <a:endParaRPr lang="ko-KR" altLang="en-US"/>
           </a:p>
@@ -760,7 +760,7 @@
           <a:p>
             <a:fld id="{8F67A746-2308-4D9D-AAD0-07174381C9E7}" type="datetimeFigureOut">
               <a:rPr lang="ko-KR" altLang="en-US" smtClean="0"/>
-              <a:t>2024-10-06</a:t>
+              <a:t>2024-10-29</a:t>
             </a:fld>
             <a:endParaRPr lang="ko-KR" altLang="en-US"/>
           </a:p>
@@ -968,7 +968,7 @@
           <a:p>
             <a:fld id="{8F67A746-2308-4D9D-AAD0-07174381C9E7}" type="datetimeFigureOut">
               <a:rPr lang="ko-KR" altLang="en-US" smtClean="0"/>
-              <a:t>2024-10-06</a:t>
+              <a:t>2024-10-29</a:t>
             </a:fld>
             <a:endParaRPr lang="ko-KR" altLang="en-US"/>
           </a:p>
@@ -1166,7 +1166,7 @@
           <a:p>
             <a:fld id="{8F67A746-2308-4D9D-AAD0-07174381C9E7}" type="datetimeFigureOut">
               <a:rPr lang="ko-KR" altLang="en-US" smtClean="0"/>
-              <a:t>2024-10-06</a:t>
+              <a:t>2024-10-29</a:t>
             </a:fld>
             <a:endParaRPr lang="ko-KR" altLang="en-US"/>
           </a:p>
@@ -1441,7 +1441,7 @@
           <a:p>
             <a:fld id="{8F67A746-2308-4D9D-AAD0-07174381C9E7}" type="datetimeFigureOut">
               <a:rPr lang="ko-KR" altLang="en-US" smtClean="0"/>
-              <a:t>2024-10-06</a:t>
+              <a:t>2024-10-29</a:t>
             </a:fld>
             <a:endParaRPr lang="ko-KR" altLang="en-US"/>
           </a:p>
@@ -1706,7 +1706,7 @@
           <a:p>
             <a:fld id="{8F67A746-2308-4D9D-AAD0-07174381C9E7}" type="datetimeFigureOut">
               <a:rPr lang="ko-KR" altLang="en-US" smtClean="0"/>
-              <a:t>2024-10-06</a:t>
+              <a:t>2024-10-29</a:t>
             </a:fld>
             <a:endParaRPr lang="ko-KR" altLang="en-US"/>
           </a:p>
@@ -2118,7 +2118,7 @@
           <a:p>
             <a:fld id="{8F67A746-2308-4D9D-AAD0-07174381C9E7}" type="datetimeFigureOut">
               <a:rPr lang="ko-KR" altLang="en-US" smtClean="0"/>
-              <a:t>2024-10-06</a:t>
+              <a:t>2024-10-29</a:t>
             </a:fld>
             <a:endParaRPr lang="ko-KR" altLang="en-US"/>
           </a:p>
@@ -2259,7 +2259,7 @@
           <a:p>
             <a:fld id="{8F67A746-2308-4D9D-AAD0-07174381C9E7}" type="datetimeFigureOut">
               <a:rPr lang="ko-KR" altLang="en-US" smtClean="0"/>
-              <a:t>2024-10-06</a:t>
+              <a:t>2024-10-29</a:t>
             </a:fld>
             <a:endParaRPr lang="ko-KR" altLang="en-US"/>
           </a:p>
@@ -2479,7 +2479,7 @@
           <a:p>
             <a:fld id="{8F67A746-2308-4D9D-AAD0-07174381C9E7}" type="datetimeFigureOut">
               <a:rPr lang="ko-KR" altLang="en-US" smtClean="0"/>
-              <a:t>2024-10-06</a:t>
+              <a:t>2024-10-29</a:t>
             </a:fld>
             <a:endParaRPr lang="ko-KR" altLang="en-US"/>
           </a:p>
@@ -2697,7 +2697,7 @@
           <a:p>
             <a:fld id="{8F67A746-2308-4D9D-AAD0-07174381C9E7}" type="datetimeFigureOut">
               <a:rPr lang="ko-KR" altLang="en-US" smtClean="0"/>
-              <a:t>2024-10-06</a:t>
+              <a:t>2024-10-29</a:t>
             </a:fld>
             <a:endParaRPr lang="ko-KR" altLang="en-US"/>
           </a:p>
@@ -3024,7 +3024,7 @@
           <a:p>
             <a:fld id="{8F67A746-2308-4D9D-AAD0-07174381C9E7}" type="datetimeFigureOut">
               <a:rPr lang="ko-KR" altLang="en-US" smtClean="0"/>
-              <a:t>2024-10-06</a:t>
+              <a:t>2024-10-29</a:t>
             </a:fld>
             <a:endParaRPr lang="ko-KR" altLang="en-US"/>
           </a:p>
@@ -3265,7 +3265,7 @@
           <a:p>
             <a:fld id="{8F67A746-2308-4D9D-AAD0-07174381C9E7}" type="datetimeFigureOut">
               <a:rPr lang="ko-KR" altLang="en-US" smtClean="0"/>
-              <a:t>2024-10-06</a:t>
+              <a:t>2024-10-29</a:t>
             </a:fld>
             <a:endParaRPr lang="ko-KR" altLang="en-US"/>
           </a:p>
@@ -4438,7 +4438,7 @@
         </p:nvSpPr>
         <p:spPr>
           <a:xfrm>
-            <a:off x="875130" y="3634387"/>
+            <a:off x="875130" y="3993200"/>
             <a:ext cx="4001751" cy="2107252"/>
           </a:xfrm>
           <a:prstGeom prst="rect">
@@ -4544,8 +4544,8 @@
         </p:nvSpPr>
         <p:spPr>
           <a:xfrm>
-            <a:off x="875130" y="2424520"/>
-            <a:ext cx="4001751" cy="719302"/>
+            <a:off x="875130" y="2522903"/>
+            <a:ext cx="4001751" cy="823147"/>
           </a:xfrm>
           <a:prstGeom prst="rect">
             <a:avLst/>
@@ -4580,16 +4580,16 @@
           <a:lstStyle/>
           <a:p>
             <a:pPr algn="ctr"/>
-            <a:endParaRPr lang="ko-KR" altLang="en-US"/>
-          </a:p>
-        </p:txBody>
-      </p:sp>
-      <p:sp>
-        <p:nvSpPr>
-          <p:cNvPr id="12" name="직사각형 11">
-            <a:extLst>
-              <a:ext uri="{FF2B5EF4-FFF2-40B4-BE49-F238E27FC236}">
-                <a16:creationId xmlns:a16="http://schemas.microsoft.com/office/drawing/2014/main" id="{5211896A-36BC-49FA-70CF-C4934B770044}"/>
+            <a:endParaRPr lang="ko-KR" altLang="en-US" dirty="0"/>
+          </a:p>
+        </p:txBody>
+      </p:sp>
+      <p:sp>
+        <p:nvSpPr>
+          <p:cNvPr id="15" name="직사각형 14">
+            <a:extLst>
+              <a:ext uri="{FF2B5EF4-FFF2-40B4-BE49-F238E27FC236}">
+                <a16:creationId xmlns:a16="http://schemas.microsoft.com/office/drawing/2014/main" id="{B338B2EB-BC67-89A3-DB8D-694EFD8E5D13}"/>
               </a:ext>
             </a:extLst>
           </p:cNvPr>
@@ -4598,8 +4598,8 @@
         </p:nvSpPr>
         <p:spPr>
           <a:xfrm>
-            <a:off x="1227182" y="3903927"/>
-            <a:ext cx="3297645" cy="592741"/>
+            <a:off x="1024360" y="4134600"/>
+            <a:ext cx="3749322" cy="1814787"/>
           </a:xfrm>
           <a:prstGeom prst="rect">
             <a:avLst/>
@@ -4636,58 +4636,6 @@
           </a:p>
         </p:txBody>
       </p:sp>
-      <p:sp>
-        <p:nvSpPr>
-          <p:cNvPr id="15" name="직사각형 14">
-            <a:extLst>
-              <a:ext uri="{FF2B5EF4-FFF2-40B4-BE49-F238E27FC236}">
-                <a16:creationId xmlns:a16="http://schemas.microsoft.com/office/drawing/2014/main" id="{B338B2EB-BC67-89A3-DB8D-694EFD8E5D13}"/>
-              </a:ext>
-            </a:extLst>
-          </p:cNvPr>
-          <p:cNvSpPr/>
-          <p:nvPr/>
-        </p:nvSpPr>
-        <p:spPr>
-          <a:xfrm>
-            <a:off x="1227182" y="4785326"/>
-            <a:ext cx="3297645" cy="592741"/>
-          </a:xfrm>
-          <a:prstGeom prst="rect">
-            <a:avLst/>
-          </a:prstGeom>
-          <a:solidFill>
-            <a:schemeClr val="bg1"/>
-          </a:solidFill>
-          <a:ln>
-            <a:noFill/>
-          </a:ln>
-        </p:spPr>
-        <p:style>
-          <a:lnRef idx="2">
-            <a:schemeClr val="accent1">
-              <a:shade val="50000"/>
-            </a:schemeClr>
-          </a:lnRef>
-          <a:fillRef idx="1">
-            <a:schemeClr val="accent1"/>
-          </a:fillRef>
-          <a:effectRef idx="0">
-            <a:schemeClr val="accent1"/>
-          </a:effectRef>
-          <a:fontRef idx="minor">
-            <a:schemeClr val="lt1"/>
-          </a:fontRef>
-        </p:style>
-        <p:txBody>
-          <a:bodyPr rtlCol="0" anchor="ctr"/>
-          <a:lstStyle/>
-          <a:p>
-            <a:pPr algn="ctr"/>
-            <a:endParaRPr lang="ko-KR" altLang="en-US"/>
-          </a:p>
-        </p:txBody>
-      </p:sp>
       <p:cxnSp>
         <p:nvCxnSpPr>
           <p:cNvPr id="17" name="직선 화살표 연결선 16">
@@ -4698,6 +4646,7 @@
             </a:extLst>
           </p:cNvPr>
           <p:cNvCxnSpPr>
+            <a:cxnSpLocks/>
             <a:stCxn id="6" idx="2"/>
             <a:endCxn id="8" idx="0"/>
           </p:cNvCxnSpPr>
@@ -4706,7 +4655,7 @@
         <p:spPr>
           <a:xfrm>
             <a:off x="2876006" y="2052624"/>
-            <a:ext cx="0" cy="371896"/>
+            <a:ext cx="0" cy="470279"/>
           </a:xfrm>
           <a:prstGeom prst="straightConnector1">
             <a:avLst/>
@@ -4751,8 +4700,8 @@
         </p:nvCxnSpPr>
         <p:spPr>
           <a:xfrm>
-            <a:off x="2876006" y="3126460"/>
-            <a:ext cx="0" cy="253275"/>
+            <a:off x="2876004" y="3345084"/>
+            <a:ext cx="2" cy="607670"/>
           </a:xfrm>
           <a:prstGeom prst="straightConnector1">
             <a:avLst/>
@@ -4795,8 +4744,8 @@
         </p:nvSpPr>
         <p:spPr>
           <a:xfrm>
-            <a:off x="1002735" y="1438863"/>
-            <a:ext cx="3746538" cy="584775"/>
+            <a:off x="1146732" y="1514101"/>
+            <a:ext cx="3493265" cy="400110"/>
           </a:xfrm>
           <a:prstGeom prst="rect">
             <a:avLst/>
@@ -4811,19 +4760,11 @@
           <a:p>
             <a:pPr algn="ctr"/>
             <a:r>
-              <a:rPr lang="ko-KR" altLang="en-US" sz="1600" dirty="0"/>
-              <a:t>최근 인구가 급격히 증가하면서 </a:t>
-            </a:r>
-            <a:endParaRPr lang="en-US" altLang="ko-KR" sz="1600" dirty="0"/>
-          </a:p>
-          <a:p>
-            <a:pPr algn="ctr"/>
-            <a:r>
-              <a:rPr lang="ko-KR" altLang="en-US" sz="1600" dirty="0"/>
-              <a:t>음식물의 부족 및 낭비의 심각성이 대두</a:t>
-            </a:r>
-            <a:r>
-              <a:rPr lang="en-US" altLang="ko-KR" sz="1600" dirty="0">
+              <a:rPr lang="ko-KR" altLang="en-US" sz="2000" dirty="0"/>
+              <a:t>음식물 낭비의 심각성이 대두</a:t>
+            </a:r>
+            <a:r>
+              <a:rPr lang="en-US" altLang="ko-KR" sz="2000" dirty="0">
                 <a:solidFill>
                   <a:schemeClr val="bg2">
                     <a:lumMod val="25000"/>
@@ -4849,8 +4790,8 @@
         </p:nvSpPr>
         <p:spPr>
           <a:xfrm>
-            <a:off x="841214" y="2399709"/>
-            <a:ext cx="4069576" cy="461665"/>
+            <a:off x="1128524" y="2681679"/>
+            <a:ext cx="3686962" cy="400110"/>
           </a:xfrm>
           <a:prstGeom prst="rect">
             <a:avLst/>
@@ -4858,29 +4799,57 @@
           <a:noFill/>
         </p:spPr>
         <p:txBody>
-          <a:bodyPr wrap="none" rtlCol="0">
+          <a:bodyPr wrap="square" rtlCol="0">
             <a:spAutoFit/>
           </a:bodyPr>
           <a:lstStyle/>
           <a:p>
             <a:pPr algn="ctr"/>
             <a:r>
-              <a:rPr lang="en-US" altLang="ko-KR" sz="1200" dirty="0"/>
-              <a:t>FAO</a:t>
-            </a:r>
-            <a:r>
-              <a:rPr lang="ko-KR" altLang="en-US" sz="1200" dirty="0"/>
-              <a:t>는 부적절한 유통기한 날짜 표시와 같은 사소한 것도</a:t>
-            </a:r>
-            <a:endParaRPr lang="en-US" altLang="ko-KR" sz="1200" dirty="0"/>
-          </a:p>
-          <a:p>
-            <a:pPr algn="ctr"/>
-            <a:r>
-              <a:rPr lang="ko-KR" altLang="en-US" sz="1200" dirty="0"/>
-              <a:t> 소비자들의 음식물 낭비에 중대한 영향 을 끼친다고 판단</a:t>
-            </a:r>
-            <a:endParaRPr lang="ko-KR" altLang="en-US" sz="1200" dirty="0">
+              <a:rPr lang="ko-KR" altLang="en-US" sz="2000" dirty="0">
+                <a:solidFill>
+                  <a:schemeClr val="tx1">
+                    <a:lumMod val="75000"/>
+                    <a:lumOff val="25000"/>
+                  </a:schemeClr>
+                </a:solidFill>
+              </a:rPr>
+              <a:t>소비기한 </a:t>
+            </a:r>
+            <a:r>
+              <a:rPr lang="en-US" altLang="ko-KR" sz="2000" dirty="0">
+                <a:solidFill>
+                  <a:schemeClr val="tx1">
+                    <a:lumMod val="75000"/>
+                    <a:lumOff val="25000"/>
+                  </a:schemeClr>
+                </a:solidFill>
+              </a:rPr>
+              <a:t>&amp; </a:t>
+            </a:r>
+            <a:r>
+              <a:rPr lang="ko-KR" altLang="en-US" sz="2000" dirty="0">
+                <a:solidFill>
+                  <a:schemeClr val="tx1">
+                    <a:lumMod val="75000"/>
+                    <a:lumOff val="25000"/>
+                  </a:schemeClr>
+                </a:solidFill>
+              </a:rPr>
+              <a:t>올바른 </a:t>
+            </a:r>
+            <a:r>
+              <a:rPr lang="ko-KR" altLang="en-US" sz="2000" dirty="0" err="1">
+                <a:solidFill>
+                  <a:schemeClr val="tx1">
+                    <a:lumMod val="75000"/>
+                    <a:lumOff val="25000"/>
+                  </a:schemeClr>
+                </a:solidFill>
+              </a:rPr>
+              <a:t>보관법</a:t>
+            </a:r>
+            <a:endParaRPr lang="en-US" altLang="ko-KR" sz="2000" dirty="0">
               <a:solidFill>
                 <a:schemeClr val="tx1">
                   <a:lumMod val="75000"/>
@@ -4905,8 +4874,8 @@
         </p:nvSpPr>
         <p:spPr>
           <a:xfrm>
-            <a:off x="1110137" y="4037653"/>
-            <a:ext cx="3531736" cy="276999"/>
+            <a:off x="1387182" y="4292231"/>
+            <a:ext cx="3012363" cy="2092881"/>
           </a:xfrm>
           <a:prstGeom prst="rect">
             <a:avLst/>
@@ -4921,106 +4890,73 @@
           <a:p>
             <a:pPr algn="ctr"/>
             <a:r>
-              <a:rPr lang="en-US" altLang="ko-KR" sz="1200" dirty="0"/>
-              <a:t>Cornell </a:t>
-            </a:r>
-            <a:r>
-              <a:rPr lang="ko-KR" altLang="en-US" sz="1200" dirty="0"/>
-              <a:t>대학</a:t>
-            </a:r>
-            <a:r>
-              <a:rPr lang="en-US" altLang="ko-KR" sz="1200" dirty="0"/>
-              <a:t>, Auburn </a:t>
-            </a:r>
-            <a:r>
-              <a:rPr lang="ko-KR" altLang="en-US" sz="1200" dirty="0"/>
-              <a:t>대학 </a:t>
-            </a:r>
-            <a:r>
-              <a:rPr lang="ko-KR" altLang="en-US" sz="1100" dirty="0"/>
-              <a:t>등에서</a:t>
-            </a:r>
-            <a:r>
-              <a:rPr lang="ko-KR" altLang="en-US" sz="1200" dirty="0"/>
-              <a:t> 관련 연구를 진행</a:t>
-            </a:r>
-            <a:endParaRPr lang="ko-KR" altLang="en-US" sz="1200" dirty="0">
-              <a:solidFill>
-                <a:schemeClr val="tx1">
-                  <a:lumMod val="75000"/>
-                  <a:lumOff val="25000"/>
-                </a:schemeClr>
-              </a:solidFill>
-            </a:endParaRPr>
-          </a:p>
-        </p:txBody>
-      </p:sp>
-      <p:sp>
-        <p:nvSpPr>
-          <p:cNvPr id="24" name="TextBox 23">
-            <a:extLst>
-              <a:ext uri="{FF2B5EF4-FFF2-40B4-BE49-F238E27FC236}">
-                <a16:creationId xmlns:a16="http://schemas.microsoft.com/office/drawing/2014/main" id="{D0E5E10F-F148-CA26-60D3-AC7075F17DAC}"/>
-              </a:ext>
-            </a:extLst>
-          </p:cNvPr>
-          <p:cNvSpPr txBox="1"/>
-          <p:nvPr/>
-        </p:nvSpPr>
-        <p:spPr>
-          <a:xfrm>
-            <a:off x="1514092" y="4817984"/>
-            <a:ext cx="2723823" cy="553998"/>
-          </a:xfrm>
-          <a:prstGeom prst="rect">
-            <a:avLst/>
-          </a:prstGeom>
-          <a:noFill/>
-        </p:spPr>
-        <p:txBody>
-          <a:bodyPr wrap="none" rtlCol="0">
-            <a:spAutoFit/>
-          </a:bodyPr>
-          <a:lstStyle/>
+              <a:rPr lang="ko-KR" altLang="en-US" sz="2000" dirty="0"/>
+              <a:t>기능</a:t>
+            </a:r>
+            <a:endParaRPr lang="en-US" altLang="ko-KR" sz="2000" dirty="0"/>
+          </a:p>
           <a:p>
             <a:pPr algn="ctr"/>
-            <a:r>
-              <a:rPr lang="ko-KR" altLang="en-US" sz="1000" dirty="0"/>
-              <a:t>삼성</a:t>
-            </a:r>
-            <a:r>
-              <a:rPr lang="en-US" altLang="ko-KR" sz="1000" dirty="0"/>
-              <a:t>, LG</a:t>
-            </a:r>
-            <a:r>
-              <a:rPr lang="ko-KR" altLang="en-US" sz="1000" dirty="0"/>
-              <a:t>와 같은 기업들은 </a:t>
-            </a:r>
             <a:endParaRPr lang="en-US" altLang="ko-KR" sz="1000" dirty="0"/>
           </a:p>
           <a:p>
-            <a:pPr algn="ctr"/>
-            <a:r>
-              <a:rPr lang="ko-KR" altLang="en-US" sz="1000" dirty="0"/>
-              <a:t>사물인터넷</a:t>
-            </a:r>
-            <a:r>
-              <a:rPr lang="en-US" altLang="ko-KR" sz="1000" dirty="0"/>
-              <a:t>(Internet of Things) </a:t>
-            </a:r>
-            <a:r>
-              <a:rPr lang="ko-KR" altLang="en-US" sz="1000" dirty="0"/>
-              <a:t>시대에 맞추어 </a:t>
-            </a:r>
-            <a:endParaRPr lang="en-US" altLang="ko-KR" sz="1000" dirty="0"/>
-          </a:p>
-          <a:p>
-            <a:pPr algn="ctr"/>
-            <a:r>
-              <a:rPr lang="ko-KR" altLang="en-US" sz="1000" dirty="0"/>
-              <a:t>가정 내 스마트 홈 관련 생활 전반의 기술 개발</a:t>
-            </a:r>
-            <a:endParaRPr lang="ko-KR" altLang="en-US" sz="1000" dirty="0">
+            <a:pPr marL="342900" indent="-342900" algn="ctr">
+              <a:buFont typeface="Arial" panose="020B0604020202020204" pitchFamily="34" charset="0"/>
+              <a:buChar char="•"/>
+            </a:pPr>
+            <a:r>
+              <a:rPr lang="ko-KR" altLang="en-US" sz="2000" dirty="0"/>
+              <a:t>소비기한 자동 저장</a:t>
+            </a:r>
+            <a:endParaRPr lang="en-US" altLang="ko-KR" sz="2000" dirty="0"/>
+          </a:p>
+          <a:p>
+            <a:pPr marL="342900" indent="-342900" algn="ctr">
+              <a:buFont typeface="Arial" panose="020B0604020202020204" pitchFamily="34" charset="0"/>
+              <a:buChar char="•"/>
+            </a:pPr>
+            <a:r>
+              <a:rPr lang="ko-KR" altLang="en-US" sz="2000" dirty="0">
+                <a:solidFill>
+                  <a:srgbClr val="FF0000"/>
+                </a:solidFill>
+              </a:rPr>
+              <a:t>종류에 따른 </a:t>
+            </a:r>
+            <a:r>
+              <a:rPr lang="ko-KR" altLang="en-US" sz="2000" dirty="0" err="1">
+                <a:solidFill>
+                  <a:srgbClr val="FF0000"/>
+                </a:solidFill>
+              </a:rPr>
+              <a:t>보관법</a:t>
+            </a:r>
+            <a:endParaRPr lang="en-US" altLang="ko-KR" sz="2000" dirty="0"/>
+          </a:p>
+          <a:p>
+            <a:pPr marL="342900" indent="-342900" algn="ctr">
+              <a:buFont typeface="Arial" panose="020B0604020202020204" pitchFamily="34" charset="0"/>
+              <a:buChar char="•"/>
+            </a:pPr>
+            <a:r>
+              <a:rPr lang="ko-KR" altLang="en-US" sz="2000" dirty="0"/>
+              <a:t>소비기한 임박 시 알람</a:t>
+            </a:r>
+            <a:endParaRPr lang="en-US" altLang="ko-KR" sz="500" dirty="0"/>
+          </a:p>
+          <a:p>
+            <a:pPr marL="342900" indent="-342900" algn="ctr">
+              <a:buFont typeface="Arial" panose="020B0604020202020204" pitchFamily="34" charset="0"/>
+              <a:buChar char="•"/>
+            </a:pPr>
+            <a:endParaRPr lang="en-US" altLang="ko-KR" sz="2000" dirty="0"/>
+          </a:p>
+          <a:p>
+            <a:pPr marL="342900" indent="-342900" algn="ctr">
+              <a:buFont typeface="Arial" panose="020B0604020202020204" pitchFamily="34" charset="0"/>
+              <a:buChar char="•"/>
+            </a:pPr>
+            <a:endParaRPr lang="ko-KR" altLang="en-US" sz="2000" dirty="0">
               <a:solidFill>
                 <a:schemeClr val="tx1">
                   <a:lumMod val="75000"/>
@@ -5209,55 +5145,6 @@
       </p:grpSpPr>
       <p:sp>
         <p:nvSpPr>
-          <p:cNvPr id="4" name="TextBox 3">
-            <a:extLst>
-              <a:ext uri="{FF2B5EF4-FFF2-40B4-BE49-F238E27FC236}">
-                <a16:creationId xmlns:a16="http://schemas.microsoft.com/office/drawing/2014/main" id="{A77E69F6-CA24-9568-55E2-01ED1939BF34}"/>
-              </a:ext>
-            </a:extLst>
-          </p:cNvPr>
-          <p:cNvSpPr txBox="1"/>
-          <p:nvPr/>
-        </p:nvSpPr>
-        <p:spPr>
-          <a:xfrm>
-            <a:off x="708826" y="363082"/>
-            <a:ext cx="3038011" cy="400110"/>
-          </a:xfrm>
-          <a:prstGeom prst="rect">
-            <a:avLst/>
-          </a:prstGeom>
-          <a:noFill/>
-        </p:spPr>
-        <p:txBody>
-          <a:bodyPr wrap="none" rtlCol="0">
-            <a:spAutoFit/>
-          </a:bodyPr>
-          <a:lstStyle/>
-          <a:p>
-            <a:pPr algn="just"/>
-            <a:r>
-              <a:rPr lang="ko-KR" altLang="en-US" sz="2000" dirty="0">
-                <a:solidFill>
-                  <a:schemeClr val="bg2">
-                    <a:lumMod val="25000"/>
-                  </a:schemeClr>
-                </a:solidFill>
-              </a:rPr>
-              <a:t>데이터 수집 및 분석 방법</a:t>
-            </a:r>
-            <a:endParaRPr lang="en-US" altLang="ko-KR" sz="2000" dirty="0">
-              <a:solidFill>
-                <a:schemeClr val="bg2">
-                  <a:lumMod val="25000"/>
-                </a:schemeClr>
-              </a:solidFill>
-            </a:endParaRPr>
-          </a:p>
-        </p:txBody>
-      </p:sp>
-      <p:sp>
-        <p:nvSpPr>
           <p:cNvPr id="5" name="갈매기형 수장 5">
             <a:extLst>
               <a:ext uri="{FF2B5EF4-FFF2-40B4-BE49-F238E27FC236}">
@@ -5555,7 +5442,7 @@
           <a:lstStyle/>
           <a:p>
             <a:r>
-              <a:rPr lang="ko-KR" altLang="en-US" sz="2400">
+              <a:rPr lang="ko-KR" altLang="en-US" sz="2400" dirty="0">
                 <a:solidFill>
                   <a:schemeClr val="tx1">
                     <a:lumMod val="75000"/>
@@ -5567,16 +5454,6 @@
               </a:rPr>
               <a:t>이미지 데이터 수집</a:t>
             </a:r>
-            <a:endParaRPr lang="ko-KR" altLang="en-US" sz="2400" dirty="0">
-              <a:solidFill>
-                <a:schemeClr val="tx1">
-                  <a:lumMod val="75000"/>
-                  <a:lumOff val="25000"/>
-                </a:schemeClr>
-              </a:solidFill>
-              <a:latin typeface="+mj-ea"/>
-              <a:ea typeface="+mj-ea"/>
-            </a:endParaRPr>
           </a:p>
         </p:txBody>
       </p:sp>
@@ -5782,6 +5659,47 @@
           <a:p>
             <a:pPr algn="ctr"/>
             <a:endParaRPr lang="ko-KR" altLang="en-US"/>
+          </a:p>
+        </p:txBody>
+      </p:sp>
+      <p:sp>
+        <p:nvSpPr>
+          <p:cNvPr id="12" name="TextBox 11">
+            <a:extLst>
+              <a:ext uri="{FF2B5EF4-FFF2-40B4-BE49-F238E27FC236}">
+                <a16:creationId xmlns:a16="http://schemas.microsoft.com/office/drawing/2014/main" id="{3D092167-7C00-46A4-8045-BC00A7546369}"/>
+              </a:ext>
+            </a:extLst>
+          </p:cNvPr>
+          <p:cNvSpPr txBox="1"/>
+          <p:nvPr/>
+        </p:nvSpPr>
+        <p:spPr>
+          <a:xfrm>
+            <a:off x="802888" y="363082"/>
+            <a:ext cx="2454518" cy="400110"/>
+          </a:xfrm>
+          <a:prstGeom prst="rect">
+            <a:avLst/>
+          </a:prstGeom>
+          <a:noFill/>
+        </p:spPr>
+        <p:txBody>
+          <a:bodyPr wrap="none" rtlCol="0">
+            <a:spAutoFit/>
+          </a:bodyPr>
+          <a:lstStyle/>
+          <a:p>
+            <a:r>
+              <a:rPr lang="ko-KR" altLang="en-US" sz="2000" spc="600" dirty="0">
+                <a:solidFill>
+                  <a:schemeClr val="bg2">
+                    <a:lumMod val="25000"/>
+                  </a:schemeClr>
+                </a:solidFill>
+              </a:rPr>
+              <a:t>주제 선정 배경</a:t>
+            </a:r>
           </a:p>
         </p:txBody>
       </p:sp>
